--- a/MyMap.pptx
+++ b/MyMap.pptx
@@ -3307,6 +3307,14 @@
 <file path=ppt/slides/slide1.xml><?xml version="1.0" encoding="utf-8"?>
 <p:sld xmlns:a="http://schemas.openxmlformats.org/drawingml/2006/main" xmlns:r="http://schemas.openxmlformats.org/officeDocument/2006/relationships" xmlns:p="http://schemas.openxmlformats.org/presentationml/2006/main">
   <p:cSld>
+    <p:bg>
+      <p:bgPr>
+        <a:solidFill>
+          <a:schemeClr val="tx1"/>
+        </a:solidFill>
+        <a:effectLst/>
+      </p:bgPr>
+    </p:bg>
     <p:spTree>
       <p:nvGrpSpPr>
         <p:cNvPr id="1" name=""/>
@@ -3335,12 +3343,18 @@
         </p:nvSpPr>
         <p:spPr>
           <a:xfrm>
-            <a:off x="10134385" y="5477682"/>
-            <a:ext cx="1800665" cy="865163"/>
+            <a:off x="9632109" y="3196105"/>
+            <a:ext cx="2391805" cy="465789"/>
           </a:xfrm>
           <a:prstGeom prst="rect">
             <a:avLst/>
           </a:prstGeom>
+          <a:solidFill>
+            <a:schemeClr val="tx1">
+              <a:lumMod val="85000"/>
+              <a:lumOff val="15000"/>
+            </a:schemeClr>
+          </a:solidFill>
         </p:spPr>
         <p:style>
           <a:lnRef idx="2">
@@ -3364,10 +3378,13 @@
           <a:p>
             <a:pPr algn="ctr"/>
             <a:r>
-              <a:rPr lang="en-US" dirty="0" err="1"/>
+              <a:rPr lang="en-US" dirty="0">
+                <a:solidFill>
+                  <a:srgbClr val="FF0000"/>
+                </a:solidFill>
+              </a:rPr>
               <a:t>EmptyStackException</a:t>
             </a:r>
-            <a:endParaRPr lang="en-US" dirty="0"/>
           </a:p>
         </p:txBody>
       </p:sp>
@@ -3385,12 +3402,17 @@
         </p:nvSpPr>
         <p:spPr>
           <a:xfrm>
-            <a:off x="1197404" y="5611881"/>
-            <a:ext cx="1800665" cy="865163"/>
+            <a:off x="4095069" y="3155288"/>
+            <a:ext cx="2212181" cy="465789"/>
           </a:xfrm>
           <a:prstGeom prst="rect">
             <a:avLst/>
           </a:prstGeom>
+          <a:solidFill>
+            <a:schemeClr val="accent5">
+              <a:lumMod val="50000"/>
+            </a:schemeClr>
+          </a:solidFill>
         </p:spPr>
         <p:style>
           <a:lnRef idx="2">
@@ -3415,7 +3437,7 @@
             <a:pPr algn="ctr"/>
             <a:r>
               <a:rPr lang="en-US" dirty="0"/>
-              <a:t>Iterator</a:t>
+              <a:t>(I) Iterator</a:t>
             </a:r>
           </a:p>
         </p:txBody>
@@ -3434,12 +3456,17 @@
         </p:nvSpPr>
         <p:spPr>
           <a:xfrm>
-            <a:off x="1126570" y="1721344"/>
-            <a:ext cx="1800665" cy="865163"/>
+            <a:off x="617855" y="5908049"/>
+            <a:ext cx="1800665" cy="465789"/>
           </a:xfrm>
           <a:prstGeom prst="rect">
             <a:avLst/>
           </a:prstGeom>
+          <a:solidFill>
+            <a:schemeClr val="accent5">
+              <a:lumMod val="50000"/>
+            </a:schemeClr>
+          </a:solidFill>
         </p:spPr>
         <p:style>
           <a:lnRef idx="2">
@@ -3463,10 +3490,9 @@
           <a:p>
             <a:pPr algn="ctr"/>
             <a:r>
-              <a:rPr lang="en-US" dirty="0" err="1"/>
-              <a:t>QueueADT</a:t>
-            </a:r>
-            <a:endParaRPr lang="en-US" dirty="0"/>
+              <a:rPr lang="en-US" dirty="0"/>
+              <a:t>(I) QueueADT</a:t>
+            </a:r>
           </a:p>
         </p:txBody>
       </p:sp>
@@ -3484,12 +3510,18 @@
         </p:nvSpPr>
         <p:spPr>
           <a:xfrm>
-            <a:off x="4468986" y="548227"/>
-            <a:ext cx="1800665" cy="865163"/>
+            <a:off x="4095069" y="402527"/>
+            <a:ext cx="2212181" cy="465789"/>
           </a:xfrm>
           <a:prstGeom prst="rect">
             <a:avLst/>
           </a:prstGeom>
+          <a:solidFill>
+            <a:schemeClr val="tx1">
+              <a:lumMod val="85000"/>
+              <a:lumOff val="15000"/>
+            </a:schemeClr>
+          </a:solidFill>
         </p:spPr>
         <p:style>
           <a:lnRef idx="2">
@@ -3513,10 +3545,9 @@
           <a:p>
             <a:pPr algn="ctr"/>
             <a:r>
-              <a:rPr lang="en-US" dirty="0" err="1"/>
+              <a:rPr lang="en-US" dirty="0"/>
               <a:t>MyStack</a:t>
             </a:r>
-            <a:endParaRPr lang="en-US" dirty="0"/>
           </a:p>
         </p:txBody>
       </p:sp>
@@ -3534,12 +3565,18 @@
         </p:nvSpPr>
         <p:spPr>
           <a:xfrm>
-            <a:off x="4468987" y="1721344"/>
-            <a:ext cx="1800665" cy="865163"/>
+            <a:off x="4095069" y="5908049"/>
+            <a:ext cx="2212181" cy="465789"/>
           </a:xfrm>
           <a:prstGeom prst="rect">
             <a:avLst/>
           </a:prstGeom>
+          <a:solidFill>
+            <a:schemeClr val="tx1">
+              <a:lumMod val="85000"/>
+              <a:lumOff val="15000"/>
+            </a:schemeClr>
+          </a:solidFill>
         </p:spPr>
         <p:style>
           <a:lnRef idx="2">
@@ -3563,10 +3600,9 @@
           <a:p>
             <a:pPr algn="ctr"/>
             <a:r>
-              <a:rPr lang="en-US" dirty="0" err="1"/>
+              <a:rPr lang="en-US" dirty="0"/>
               <a:t>MyQueue</a:t>
             </a:r>
-            <a:endParaRPr lang="en-US" dirty="0"/>
           </a:p>
         </p:txBody>
       </p:sp>
@@ -3584,12 +3620,18 @@
         </p:nvSpPr>
         <p:spPr>
           <a:xfrm>
-            <a:off x="4477969" y="3028944"/>
-            <a:ext cx="1800665" cy="865163"/>
+            <a:off x="4095069" y="4990462"/>
+            <a:ext cx="2212181" cy="465789"/>
           </a:xfrm>
           <a:prstGeom prst="rect">
             <a:avLst/>
           </a:prstGeom>
+          <a:solidFill>
+            <a:schemeClr val="tx1">
+              <a:lumMod val="85000"/>
+              <a:lumOff val="15000"/>
+            </a:schemeClr>
+          </a:solidFill>
         </p:spPr>
         <p:style>
           <a:lnRef idx="2">
@@ -3613,10 +3655,9 @@
           <a:p>
             <a:pPr algn="ctr"/>
             <a:r>
-              <a:rPr lang="en-US" dirty="0" err="1"/>
-              <a:t>MyDLL</a:t>
-            </a:r>
-            <a:endParaRPr lang="en-US" dirty="0"/>
+              <a:rPr lang="en-US" dirty="0"/>
+              <a:t>MySLL</a:t>
+            </a:r>
           </a:p>
         </p:txBody>
       </p:sp>
@@ -3634,12 +3675,18 @@
         </p:nvSpPr>
         <p:spPr>
           <a:xfrm>
-            <a:off x="4477969" y="5611882"/>
-            <a:ext cx="2208710" cy="865163"/>
+            <a:off x="4095083" y="2237701"/>
+            <a:ext cx="2212153" cy="465789"/>
           </a:xfrm>
           <a:prstGeom prst="rect">
             <a:avLst/>
           </a:prstGeom>
+          <a:solidFill>
+            <a:schemeClr val="tx1">
+              <a:lumMod val="85000"/>
+              <a:lumOff val="15000"/>
+            </a:schemeClr>
+          </a:solidFill>
         </p:spPr>
         <p:style>
           <a:lnRef idx="2">
@@ -3663,10 +3710,9 @@
           <a:p>
             <a:pPr algn="ctr"/>
             <a:r>
-              <a:rPr lang="en-US" dirty="0" err="1"/>
+              <a:rPr lang="en-US" dirty="0"/>
               <a:t>MyArrayListIterator</a:t>
             </a:r>
-            <a:endParaRPr lang="en-US" dirty="0"/>
           </a:p>
         </p:txBody>
       </p:sp>
@@ -3684,12 +3730,18 @@
         </p:nvSpPr>
         <p:spPr>
           <a:xfrm>
-            <a:off x="4477969" y="4292955"/>
-            <a:ext cx="1800665" cy="865163"/>
+            <a:off x="4095069" y="1320114"/>
+            <a:ext cx="2212181" cy="465789"/>
           </a:xfrm>
           <a:prstGeom prst="rect">
             <a:avLst/>
           </a:prstGeom>
+          <a:solidFill>
+            <a:schemeClr val="tx1">
+              <a:lumMod val="85000"/>
+              <a:lumOff val="15000"/>
+            </a:schemeClr>
+          </a:solidFill>
         </p:spPr>
         <p:style>
           <a:lnRef idx="2">
@@ -3713,10 +3765,9 @@
           <a:p>
             <a:pPr algn="ctr"/>
             <a:r>
-              <a:rPr lang="en-US" dirty="0" err="1"/>
+              <a:rPr lang="en-US" dirty="0"/>
               <a:t>MyArrayList</a:t>
             </a:r>
-            <a:endParaRPr lang="en-US" dirty="0"/>
           </a:p>
         </p:txBody>
       </p:sp>
@@ -3734,12 +3785,17 @@
         </p:nvSpPr>
         <p:spPr>
           <a:xfrm>
-            <a:off x="1126571" y="3028944"/>
-            <a:ext cx="1800665" cy="865163"/>
+            <a:off x="617856" y="3170619"/>
+            <a:ext cx="1800665" cy="465789"/>
           </a:xfrm>
           <a:prstGeom prst="rect">
             <a:avLst/>
           </a:prstGeom>
+          <a:solidFill>
+            <a:schemeClr val="accent5">
+              <a:lumMod val="50000"/>
+            </a:schemeClr>
+          </a:solidFill>
         </p:spPr>
         <p:style>
           <a:lnRef idx="2">
@@ -3763,10 +3819,9 @@
           <a:p>
             <a:pPr algn="ctr"/>
             <a:r>
-              <a:rPr lang="en-US" dirty="0" err="1"/>
-              <a:t>ListADT</a:t>
-            </a:r>
-            <a:endParaRPr lang="en-US" dirty="0"/>
+              <a:rPr lang="en-US" dirty="0"/>
+              <a:t>(I) ListADT</a:t>
+            </a:r>
           </a:p>
         </p:txBody>
       </p:sp>
@@ -3784,12 +3839,17 @@
         </p:nvSpPr>
         <p:spPr>
           <a:xfrm>
-            <a:off x="1126570" y="548227"/>
-            <a:ext cx="1800665" cy="865163"/>
+            <a:off x="617855" y="402527"/>
+            <a:ext cx="1800665" cy="465789"/>
           </a:xfrm>
           <a:prstGeom prst="rect">
             <a:avLst/>
           </a:prstGeom>
+          <a:solidFill>
+            <a:schemeClr val="accent5">
+              <a:lumMod val="50000"/>
+            </a:schemeClr>
+          </a:solidFill>
         </p:spPr>
         <p:style>
           <a:lnRef idx="2">
@@ -3813,10 +3873,9 @@
           <a:p>
             <a:pPr algn="ctr"/>
             <a:r>
-              <a:rPr lang="en-US" dirty="0" err="1"/>
-              <a:t>StackADT</a:t>
-            </a:r>
-            <a:endParaRPr lang="en-US" dirty="0"/>
+              <a:rPr lang="en-US" dirty="0"/>
+              <a:t>(I) StackADT</a:t>
+            </a:r>
           </a:p>
         </p:txBody>
       </p:sp>
@@ -3838,12 +3897,16 @@
         </p:nvCxnSpPr>
         <p:spPr>
           <a:xfrm>
-            <a:off x="2927236" y="3461526"/>
-            <a:ext cx="1550733" cy="0"/>
+            <a:off x="2418521" y="3403514"/>
+            <a:ext cx="1676548" cy="1819843"/>
           </a:xfrm>
           <a:prstGeom prst="line">
             <a:avLst/>
           </a:prstGeom>
+          <a:ln w="12700">
+            <a:headEnd type="none" w="med" len="med"/>
+            <a:tailEnd type="triangle" w="lg" len="lg"/>
+          </a:ln>
         </p:spPr>
         <p:style>
           <a:lnRef idx="1">
@@ -3871,19 +3934,26 @@
           </p:cNvPr>
           <p:cNvCxnSpPr>
             <a:cxnSpLocks/>
-            <a:stCxn id="6" idx="3"/>
-            <a:endCxn id="16" idx="1"/>
+            <a:stCxn id="6" idx="0"/>
+            <a:endCxn id="16" idx="2"/>
           </p:cNvCxnSpPr>
           <p:nvPr/>
         </p:nvCxnSpPr>
         <p:spPr>
-          <a:xfrm>
-            <a:off x="2998069" y="6044463"/>
-            <a:ext cx="1479900" cy="1"/>
+          <a:xfrm flipV="1">
+            <a:off x="5201160" y="2703490"/>
+            <a:ext cx="0" cy="451798"/>
           </a:xfrm>
           <a:prstGeom prst="line">
             <a:avLst/>
           </a:prstGeom>
+          <a:ln w="12700">
+            <a:solidFill>
+              <a:srgbClr val="7030A0"/>
+            </a:solidFill>
+            <a:headEnd type="none" w="med" len="med"/>
+            <a:tailEnd type="triangle" w="lg" len="lg"/>
+          </a:ln>
         </p:spPr>
         <p:style>
           <a:lnRef idx="1">
@@ -3917,13 +3987,17 @@
           <p:nvPr/>
         </p:nvCxnSpPr>
         <p:spPr>
-          <a:xfrm>
-            <a:off x="2927236" y="3461526"/>
-            <a:ext cx="1550733" cy="1264011"/>
+          <a:xfrm flipV="1">
+            <a:off x="2418521" y="1553009"/>
+            <a:ext cx="1676548" cy="1850505"/>
           </a:xfrm>
           <a:prstGeom prst="line">
             <a:avLst/>
           </a:prstGeom>
+          <a:ln w="12700">
+            <a:headEnd type="none" w="med" len="med"/>
+            <a:tailEnd type="triangle" w="lg" len="lg"/>
+          </a:ln>
         </p:spPr>
         <p:style>
           <a:lnRef idx="1">
@@ -3958,12 +4032,19 @@
         </p:nvCxnSpPr>
         <p:spPr>
           <a:xfrm>
-            <a:off x="2927235" y="2153926"/>
-            <a:ext cx="1541752" cy="0"/>
+            <a:off x="2418520" y="6140944"/>
+            <a:ext cx="1676549" cy="0"/>
           </a:xfrm>
           <a:prstGeom prst="line">
             <a:avLst/>
           </a:prstGeom>
+          <a:ln w="12700">
+            <a:solidFill>
+              <a:srgbClr val="7030A0"/>
+            </a:solidFill>
+            <a:headEnd type="none" w="med" len="med"/>
+            <a:tailEnd type="triangle" w="lg" len="lg"/>
+          </a:ln>
         </p:spPr>
         <p:style>
           <a:lnRef idx="1">
@@ -3998,12 +4079,19 @@
         </p:nvCxnSpPr>
         <p:spPr>
           <a:xfrm>
-            <a:off x="2927235" y="980809"/>
-            <a:ext cx="1541751" cy="0"/>
+            <a:off x="2418520" y="635422"/>
+            <a:ext cx="1676549" cy="0"/>
           </a:xfrm>
           <a:prstGeom prst="line">
             <a:avLst/>
           </a:prstGeom>
+          <a:ln w="12700">
+            <a:solidFill>
+              <a:srgbClr val="7030A0"/>
+            </a:solidFill>
+            <a:headEnd type="none" w="med" len="med"/>
+            <a:tailEnd type="triangle" w="lg" len="lg"/>
+          </a:ln>
         </p:spPr>
         <p:style>
           <a:lnRef idx="1">
@@ -4020,86 +4108,6 @@
           </a:fontRef>
         </p:style>
       </p:cxnSp>
-      <p:cxnSp>
-        <p:nvCxnSpPr>
-          <p:cNvPr id="54" name="Straight Connector 53">
-            <a:extLst>
-              <a:ext uri="{FF2B5EF4-FFF2-40B4-BE49-F238E27FC236}">
-                <a16:creationId xmlns:a16="http://schemas.microsoft.com/office/drawing/2014/main" id="{8DD5F6B6-1B28-4096-8673-E302316DBDB1}"/>
-              </a:ext>
-            </a:extLst>
-          </p:cNvPr>
-          <p:cNvCxnSpPr>
-            <a:cxnSpLocks/>
-            <a:stCxn id="18" idx="2"/>
-            <a:endCxn id="16" idx="0"/>
-          </p:cNvCxnSpPr>
-          <p:nvPr/>
-        </p:nvCxnSpPr>
-        <p:spPr>
-          <a:xfrm>
-            <a:off x="5378302" y="5158118"/>
-            <a:ext cx="204022" cy="453764"/>
-          </a:xfrm>
-          <a:prstGeom prst="line">
-            <a:avLst/>
-          </a:prstGeom>
-        </p:spPr>
-        <p:style>
-          <a:lnRef idx="1">
-            <a:schemeClr val="accent1"/>
-          </a:lnRef>
-          <a:fillRef idx="0">
-            <a:schemeClr val="accent1"/>
-          </a:fillRef>
-          <a:effectRef idx="0">
-            <a:schemeClr val="accent1"/>
-          </a:effectRef>
-          <a:fontRef idx="minor">
-            <a:schemeClr val="tx1"/>
-          </a:fontRef>
-        </p:style>
-      </p:cxnSp>
-      <p:cxnSp>
-        <p:nvCxnSpPr>
-          <p:cNvPr id="57" name="Straight Connector 56">
-            <a:extLst>
-              <a:ext uri="{FF2B5EF4-FFF2-40B4-BE49-F238E27FC236}">
-                <a16:creationId xmlns:a16="http://schemas.microsoft.com/office/drawing/2014/main" id="{4EDBD159-F1F8-417E-9983-12E81420EE58}"/>
-              </a:ext>
-            </a:extLst>
-          </p:cNvPr>
-          <p:cNvCxnSpPr>
-            <a:cxnSpLocks/>
-            <a:stCxn id="20" idx="2"/>
-            <a:endCxn id="6" idx="0"/>
-          </p:cNvCxnSpPr>
-          <p:nvPr/>
-        </p:nvCxnSpPr>
-        <p:spPr>
-          <a:xfrm>
-            <a:off x="2026904" y="3894107"/>
-            <a:ext cx="70833" cy="1717774"/>
-          </a:xfrm>
-          <a:prstGeom prst="line">
-            <a:avLst/>
-          </a:prstGeom>
-        </p:spPr>
-        <p:style>
-          <a:lnRef idx="1">
-            <a:schemeClr val="accent1"/>
-          </a:lnRef>
-          <a:fillRef idx="0">
-            <a:schemeClr val="accent1"/>
-          </a:fillRef>
-          <a:effectRef idx="0">
-            <a:schemeClr val="accent1"/>
-          </a:effectRef>
-          <a:fontRef idx="minor">
-            <a:schemeClr val="tx1"/>
-          </a:fontRef>
-        </p:style>
-      </p:cxnSp>
       <p:sp>
         <p:nvSpPr>
           <p:cNvPr id="73" name="Rectangle 72">
@@ -4114,12 +4122,17 @@
         </p:nvSpPr>
         <p:spPr>
           <a:xfrm>
-            <a:off x="7113448" y="548227"/>
-            <a:ext cx="1800665" cy="865163"/>
+            <a:off x="7155539" y="402527"/>
+            <a:ext cx="1800665" cy="465789"/>
           </a:xfrm>
           <a:prstGeom prst="rect">
             <a:avLst/>
           </a:prstGeom>
+          <a:solidFill>
+            <a:schemeClr val="tx2">
+              <a:lumMod val="50000"/>
+            </a:schemeClr>
+          </a:solidFill>
         </p:spPr>
         <p:style>
           <a:lnRef idx="2">
@@ -4143,10 +4156,9 @@
           <a:p>
             <a:pPr algn="ctr"/>
             <a:r>
-              <a:rPr lang="en-US" dirty="0" err="1"/>
+              <a:rPr lang="en-US" dirty="0"/>
               <a:t>MyStackTests</a:t>
             </a:r>
-            <a:endParaRPr lang="en-US" dirty="0"/>
           </a:p>
         </p:txBody>
       </p:sp>
@@ -4164,12 +4176,17 @@
         </p:nvSpPr>
         <p:spPr>
           <a:xfrm>
-            <a:off x="7113449" y="1721344"/>
-            <a:ext cx="1800665" cy="865163"/>
+            <a:off x="7155540" y="5908049"/>
+            <a:ext cx="1800665" cy="465789"/>
           </a:xfrm>
           <a:prstGeom prst="rect">
             <a:avLst/>
           </a:prstGeom>
+          <a:solidFill>
+            <a:schemeClr val="tx2">
+              <a:lumMod val="50000"/>
+            </a:schemeClr>
+          </a:solidFill>
         </p:spPr>
         <p:style>
           <a:lnRef idx="2">
@@ -4193,10 +4210,9 @@
           <a:p>
             <a:pPr algn="ctr"/>
             <a:r>
-              <a:rPr lang="en-US" dirty="0" err="1"/>
+              <a:rPr lang="en-US" dirty="0"/>
               <a:t>MyQueueTests</a:t>
             </a:r>
-            <a:endParaRPr lang="en-US" dirty="0"/>
           </a:p>
         </p:txBody>
       </p:sp>
@@ -4214,12 +4230,17 @@
         </p:nvSpPr>
         <p:spPr>
           <a:xfrm>
-            <a:off x="7122431" y="3028944"/>
-            <a:ext cx="1800665" cy="865163"/>
+            <a:off x="7164522" y="4991586"/>
+            <a:ext cx="1800665" cy="465789"/>
           </a:xfrm>
           <a:prstGeom prst="rect">
             <a:avLst/>
           </a:prstGeom>
+          <a:solidFill>
+            <a:schemeClr val="tx2">
+              <a:lumMod val="50000"/>
+            </a:schemeClr>
+          </a:solidFill>
         </p:spPr>
         <p:style>
           <a:lnRef idx="2">
@@ -4243,10 +4264,9 @@
           <a:p>
             <a:pPr algn="ctr"/>
             <a:r>
-              <a:rPr lang="en-US" dirty="0" err="1"/>
-              <a:t>MyDLLTests</a:t>
-            </a:r>
-            <a:endParaRPr lang="en-US" dirty="0"/>
+              <a:rPr lang="en-US" dirty="0"/>
+              <a:t>MySLLTests</a:t>
+            </a:r>
           </a:p>
         </p:txBody>
       </p:sp>
@@ -4264,12 +4284,17 @@
         </p:nvSpPr>
         <p:spPr>
           <a:xfrm>
-            <a:off x="7122431" y="4292955"/>
-            <a:ext cx="1800665" cy="865163"/>
+            <a:off x="7164522" y="1318989"/>
+            <a:ext cx="1800665" cy="465789"/>
           </a:xfrm>
           <a:prstGeom prst="rect">
             <a:avLst/>
           </a:prstGeom>
+          <a:solidFill>
+            <a:schemeClr val="tx2">
+              <a:lumMod val="50000"/>
+            </a:schemeClr>
+          </a:solidFill>
         </p:spPr>
         <p:style>
           <a:lnRef idx="2">
@@ -4293,10 +4318,9 @@
           <a:p>
             <a:pPr algn="ctr"/>
             <a:r>
-              <a:rPr lang="en-US" dirty="0" err="1"/>
+              <a:rPr lang="en-US" dirty="0"/>
               <a:t>MyArrayListTests</a:t>
             </a:r>
-            <a:endParaRPr lang="en-US" dirty="0"/>
           </a:p>
         </p:txBody>
       </p:sp>
@@ -4318,12 +4342,16 @@
         </p:nvCxnSpPr>
         <p:spPr>
           <a:xfrm>
-            <a:off x="6269651" y="980809"/>
-            <a:ext cx="843797" cy="0"/>
+            <a:off x="6307250" y="635422"/>
+            <a:ext cx="848289" cy="0"/>
           </a:xfrm>
           <a:prstGeom prst="line">
             <a:avLst/>
           </a:prstGeom>
+          <a:ln w="12700">
+            <a:headEnd type="none" w="med" len="med"/>
+            <a:tailEnd type="triangle" w="lg" len="lg"/>
+          </a:ln>
         </p:spPr>
         <p:style>
           <a:lnRef idx="1">
@@ -4358,12 +4386,16 @@
         </p:nvCxnSpPr>
         <p:spPr>
           <a:xfrm>
-            <a:off x="6269652" y="2153926"/>
-            <a:ext cx="843797" cy="0"/>
+            <a:off x="6307250" y="6140944"/>
+            <a:ext cx="848290" cy="0"/>
           </a:xfrm>
           <a:prstGeom prst="line">
             <a:avLst/>
           </a:prstGeom>
+          <a:ln w="12700">
+            <a:headEnd type="none" w="med" len="med"/>
+            <a:tailEnd type="triangle" w="lg" len="lg"/>
+          </a:ln>
         </p:spPr>
         <p:style>
           <a:lnRef idx="1">
@@ -4398,12 +4430,16 @@
         </p:nvCxnSpPr>
         <p:spPr>
           <a:xfrm>
-            <a:off x="6278634" y="3461526"/>
-            <a:ext cx="843797" cy="0"/>
+            <a:off x="6307250" y="5223357"/>
+            <a:ext cx="857272" cy="1124"/>
           </a:xfrm>
           <a:prstGeom prst="line">
             <a:avLst/>
           </a:prstGeom>
+          <a:ln w="12700">
+            <a:headEnd type="none" w="med" len="med"/>
+            <a:tailEnd type="triangle" w="lg" len="lg"/>
+          </a:ln>
         </p:spPr>
         <p:style>
           <a:lnRef idx="1">
@@ -4437,13 +4473,438 @@
           <p:nvPr/>
         </p:nvCxnSpPr>
         <p:spPr>
-          <a:xfrm>
-            <a:off x="6278634" y="4725537"/>
-            <a:ext cx="843797" cy="0"/>
+          <a:xfrm flipV="1">
+            <a:off x="6307250" y="1551884"/>
+            <a:ext cx="857272" cy="1125"/>
           </a:xfrm>
           <a:prstGeom prst="line">
             <a:avLst/>
           </a:prstGeom>
+          <a:ln w="12700">
+            <a:headEnd type="none" w="med" len="med"/>
+            <a:tailEnd type="triangle" w="lg" len="lg"/>
+          </a:ln>
+        </p:spPr>
+        <p:style>
+          <a:lnRef idx="1">
+            <a:schemeClr val="accent1"/>
+          </a:lnRef>
+          <a:fillRef idx="0">
+            <a:schemeClr val="accent1"/>
+          </a:fillRef>
+          <a:effectRef idx="0">
+            <a:schemeClr val="accent1"/>
+          </a:effectRef>
+          <a:fontRef idx="minor">
+            <a:schemeClr val="tx1"/>
+          </a:fontRef>
+        </p:style>
+      </p:cxnSp>
+      <p:sp>
+        <p:nvSpPr>
+          <p:cNvPr id="94" name="Rectangle 93">
+            <a:extLst>
+              <a:ext uri="{FF2B5EF4-FFF2-40B4-BE49-F238E27FC236}">
+                <a16:creationId xmlns:a16="http://schemas.microsoft.com/office/drawing/2014/main" id="{5F766955-D07E-4D17-80EB-DB1037711733}"/>
+              </a:ext>
+            </a:extLst>
+          </p:cNvPr>
+          <p:cNvSpPr/>
+          <p:nvPr/>
+        </p:nvSpPr>
+        <p:spPr>
+          <a:xfrm>
+            <a:off x="617855" y="4983466"/>
+            <a:ext cx="1800665" cy="465789"/>
+          </a:xfrm>
+          <a:prstGeom prst="rect">
+            <a:avLst/>
+          </a:prstGeom>
+          <a:solidFill>
+            <a:schemeClr val="tx1">
+              <a:lumMod val="85000"/>
+              <a:lumOff val="15000"/>
+            </a:schemeClr>
+          </a:solidFill>
+        </p:spPr>
+        <p:style>
+          <a:lnRef idx="2">
+            <a:schemeClr val="accent1">
+              <a:shade val="50000"/>
+            </a:schemeClr>
+          </a:lnRef>
+          <a:fillRef idx="1">
+            <a:schemeClr val="accent1"/>
+          </a:fillRef>
+          <a:effectRef idx="0">
+            <a:schemeClr val="accent1"/>
+          </a:effectRef>
+          <a:fontRef idx="minor">
+            <a:schemeClr val="lt1"/>
+          </a:fontRef>
+        </p:style>
+        <p:txBody>
+          <a:bodyPr rtlCol="0" anchor="ctr"/>
+          <a:lstStyle/>
+          <a:p>
+            <a:pPr algn="ctr"/>
+            <a:r>
+              <a:rPr lang="en-US" dirty="0"/>
+              <a:t>MySLLNode</a:t>
+            </a:r>
+          </a:p>
+        </p:txBody>
+      </p:sp>
+      <p:cxnSp>
+        <p:nvCxnSpPr>
+          <p:cNvPr id="95" name="Straight Connector 94">
+            <a:extLst>
+              <a:ext uri="{FF2B5EF4-FFF2-40B4-BE49-F238E27FC236}">
+                <a16:creationId xmlns:a16="http://schemas.microsoft.com/office/drawing/2014/main" id="{E744F3D1-B69C-48BA-822C-9F3BD1531C9C}"/>
+              </a:ext>
+            </a:extLst>
+          </p:cNvPr>
+          <p:cNvCxnSpPr>
+            <a:cxnSpLocks/>
+            <a:stCxn id="94" idx="3"/>
+            <a:endCxn id="14" idx="1"/>
+          </p:cNvCxnSpPr>
+          <p:nvPr/>
+        </p:nvCxnSpPr>
+        <p:spPr>
+          <a:xfrm>
+            <a:off x="2418520" y="5216361"/>
+            <a:ext cx="1676549" cy="6996"/>
+          </a:xfrm>
+          <a:prstGeom prst="line">
+            <a:avLst/>
+          </a:prstGeom>
+          <a:ln w="12700">
+            <a:prstDash val="lgDash"/>
+            <a:headEnd type="none" w="med" len="med"/>
+            <a:tailEnd type="none" w="lg" len="lg"/>
+          </a:ln>
+        </p:spPr>
+        <p:style>
+          <a:lnRef idx="1">
+            <a:schemeClr val="accent1"/>
+          </a:lnRef>
+          <a:fillRef idx="0">
+            <a:schemeClr val="accent1"/>
+          </a:fillRef>
+          <a:effectRef idx="0">
+            <a:schemeClr val="accent1"/>
+          </a:effectRef>
+          <a:fontRef idx="minor">
+            <a:schemeClr val="tx1"/>
+          </a:fontRef>
+        </p:style>
+      </p:cxnSp>
+      <p:cxnSp>
+        <p:nvCxnSpPr>
+          <p:cNvPr id="130" name="Straight Connector 129">
+            <a:extLst>
+              <a:ext uri="{FF2B5EF4-FFF2-40B4-BE49-F238E27FC236}">
+                <a16:creationId xmlns:a16="http://schemas.microsoft.com/office/drawing/2014/main" id="{1E1D952B-FA2A-430D-B968-6D250A1FB71A}"/>
+              </a:ext>
+            </a:extLst>
+          </p:cNvPr>
+          <p:cNvCxnSpPr>
+            <a:cxnSpLocks/>
+            <a:stCxn id="18" idx="0"/>
+          </p:cNvCxnSpPr>
+          <p:nvPr/>
+        </p:nvCxnSpPr>
+        <p:spPr>
+          <a:xfrm flipV="1">
+            <a:off x="5201160" y="868318"/>
+            <a:ext cx="0" cy="451796"/>
+          </a:xfrm>
+          <a:prstGeom prst="line">
+            <a:avLst/>
+          </a:prstGeom>
+          <a:ln w="12700">
+            <a:headEnd type="none" w="med" len="med"/>
+            <a:tailEnd type="triangle" w="lg" len="lg"/>
+          </a:ln>
+        </p:spPr>
+        <p:style>
+          <a:lnRef idx="1">
+            <a:schemeClr val="accent1"/>
+          </a:lnRef>
+          <a:fillRef idx="0">
+            <a:schemeClr val="accent1"/>
+          </a:fillRef>
+          <a:effectRef idx="0">
+            <a:schemeClr val="accent1"/>
+          </a:effectRef>
+          <a:fontRef idx="minor">
+            <a:schemeClr val="tx1"/>
+          </a:fontRef>
+        </p:style>
+      </p:cxnSp>
+      <p:cxnSp>
+        <p:nvCxnSpPr>
+          <p:cNvPr id="133" name="Straight Connector 132">
+            <a:extLst>
+              <a:ext uri="{FF2B5EF4-FFF2-40B4-BE49-F238E27FC236}">
+                <a16:creationId xmlns:a16="http://schemas.microsoft.com/office/drawing/2014/main" id="{A6E3A24B-FBB6-4876-A121-2C578DB077EB}"/>
+              </a:ext>
+            </a:extLst>
+          </p:cNvPr>
+          <p:cNvCxnSpPr>
+            <a:cxnSpLocks/>
+            <a:stCxn id="14" idx="2"/>
+            <a:endCxn id="12" idx="0"/>
+          </p:cNvCxnSpPr>
+          <p:nvPr/>
+        </p:nvCxnSpPr>
+        <p:spPr>
+          <a:xfrm>
+            <a:off x="5201160" y="5456251"/>
+            <a:ext cx="0" cy="451798"/>
+          </a:xfrm>
+          <a:prstGeom prst="line">
+            <a:avLst/>
+          </a:prstGeom>
+          <a:ln w="12700">
+            <a:headEnd type="none" w="med" len="med"/>
+            <a:tailEnd type="triangle" w="lg" len="lg"/>
+          </a:ln>
+        </p:spPr>
+        <p:style>
+          <a:lnRef idx="1">
+            <a:schemeClr val="accent1"/>
+          </a:lnRef>
+          <a:fillRef idx="0">
+            <a:schemeClr val="accent1"/>
+          </a:fillRef>
+          <a:effectRef idx="0">
+            <a:schemeClr val="accent1"/>
+          </a:effectRef>
+          <a:fontRef idx="minor">
+            <a:schemeClr val="tx1"/>
+          </a:fontRef>
+        </p:style>
+      </p:cxnSp>
+      <p:sp>
+        <p:nvSpPr>
+          <p:cNvPr id="168" name="Rectangle 167">
+            <a:extLst>
+              <a:ext uri="{FF2B5EF4-FFF2-40B4-BE49-F238E27FC236}">
+                <a16:creationId xmlns:a16="http://schemas.microsoft.com/office/drawing/2014/main" id="{0451F14F-FE8F-40C7-989A-7ED74A2E3BF0}"/>
+              </a:ext>
+            </a:extLst>
+          </p:cNvPr>
+          <p:cNvSpPr/>
+          <p:nvPr/>
+        </p:nvSpPr>
+        <p:spPr>
+          <a:xfrm>
+            <a:off x="4095078" y="4072875"/>
+            <a:ext cx="2212163" cy="465789"/>
+          </a:xfrm>
+          <a:prstGeom prst="rect">
+            <a:avLst/>
+          </a:prstGeom>
+          <a:solidFill>
+            <a:schemeClr val="tx1">
+              <a:lumMod val="85000"/>
+              <a:lumOff val="15000"/>
+            </a:schemeClr>
+          </a:solidFill>
+        </p:spPr>
+        <p:style>
+          <a:lnRef idx="2">
+            <a:schemeClr val="accent1">
+              <a:shade val="50000"/>
+            </a:schemeClr>
+          </a:lnRef>
+          <a:fillRef idx="1">
+            <a:schemeClr val="accent1"/>
+          </a:fillRef>
+          <a:effectRef idx="0">
+            <a:schemeClr val="accent1"/>
+          </a:effectRef>
+          <a:fontRef idx="minor">
+            <a:schemeClr val="lt1"/>
+          </a:fontRef>
+        </p:style>
+        <p:txBody>
+          <a:bodyPr rtlCol="0" anchor="ctr"/>
+          <a:lstStyle/>
+          <a:p>
+            <a:pPr algn="ctr"/>
+            <a:r>
+              <a:rPr lang="en-US" dirty="0"/>
+              <a:t>MySLLIterator</a:t>
+            </a:r>
+          </a:p>
+        </p:txBody>
+      </p:sp>
+      <p:cxnSp>
+        <p:nvCxnSpPr>
+          <p:cNvPr id="169" name="Straight Connector 168">
+            <a:extLst>
+              <a:ext uri="{FF2B5EF4-FFF2-40B4-BE49-F238E27FC236}">
+                <a16:creationId xmlns:a16="http://schemas.microsoft.com/office/drawing/2014/main" id="{BB790DBE-A916-489E-A0FF-C6F0BD837932}"/>
+              </a:ext>
+            </a:extLst>
+          </p:cNvPr>
+          <p:cNvCxnSpPr>
+            <a:cxnSpLocks/>
+            <a:stCxn id="6" idx="2"/>
+            <a:endCxn id="168" idx="0"/>
+          </p:cNvCxnSpPr>
+          <p:nvPr/>
+        </p:nvCxnSpPr>
+        <p:spPr>
+          <a:xfrm>
+            <a:off x="5201160" y="3621077"/>
+            <a:ext cx="0" cy="451798"/>
+          </a:xfrm>
+          <a:prstGeom prst="line">
+            <a:avLst/>
+          </a:prstGeom>
+          <a:ln w="12700">
+            <a:solidFill>
+              <a:srgbClr val="7030A0"/>
+            </a:solidFill>
+            <a:headEnd type="none" w="med" len="med"/>
+            <a:tailEnd type="triangle" w="lg" len="lg"/>
+          </a:ln>
+        </p:spPr>
+        <p:style>
+          <a:lnRef idx="1">
+            <a:schemeClr val="accent1"/>
+          </a:lnRef>
+          <a:fillRef idx="0">
+            <a:schemeClr val="accent1"/>
+          </a:fillRef>
+          <a:effectRef idx="0">
+            <a:schemeClr val="accent1"/>
+          </a:effectRef>
+          <a:fontRef idx="minor">
+            <a:schemeClr val="tx1"/>
+          </a:fontRef>
+        </p:style>
+      </p:cxnSp>
+      <p:cxnSp>
+        <p:nvCxnSpPr>
+          <p:cNvPr id="174" name="Straight Connector 173">
+            <a:extLst>
+              <a:ext uri="{FF2B5EF4-FFF2-40B4-BE49-F238E27FC236}">
+                <a16:creationId xmlns:a16="http://schemas.microsoft.com/office/drawing/2014/main" id="{AE47C990-4C7D-4812-9A79-B5995BC74541}"/>
+              </a:ext>
+            </a:extLst>
+          </p:cNvPr>
+          <p:cNvCxnSpPr>
+            <a:cxnSpLocks/>
+            <a:stCxn id="16" idx="0"/>
+            <a:endCxn id="18" idx="2"/>
+          </p:cNvCxnSpPr>
+          <p:nvPr/>
+        </p:nvCxnSpPr>
+        <p:spPr>
+          <a:xfrm flipV="1">
+            <a:off x="5201160" y="1785903"/>
+            <a:ext cx="0" cy="451798"/>
+          </a:xfrm>
+          <a:prstGeom prst="line">
+            <a:avLst/>
+          </a:prstGeom>
+          <a:ln w="12700">
+            <a:headEnd type="none" w="med" len="med"/>
+            <a:tailEnd type="triangle" w="lg" len="lg"/>
+          </a:ln>
+        </p:spPr>
+        <p:style>
+          <a:lnRef idx="1">
+            <a:schemeClr val="accent1"/>
+          </a:lnRef>
+          <a:fillRef idx="0">
+            <a:schemeClr val="accent1"/>
+          </a:fillRef>
+          <a:effectRef idx="0">
+            <a:schemeClr val="accent1"/>
+          </a:effectRef>
+          <a:fontRef idx="minor">
+            <a:schemeClr val="tx1"/>
+          </a:fontRef>
+        </p:style>
+      </p:cxnSp>
+      <p:cxnSp>
+        <p:nvCxnSpPr>
+          <p:cNvPr id="183" name="Straight Connector 182">
+            <a:extLst>
+              <a:ext uri="{FF2B5EF4-FFF2-40B4-BE49-F238E27FC236}">
+                <a16:creationId xmlns:a16="http://schemas.microsoft.com/office/drawing/2014/main" id="{13DDC476-C83F-48F0-B02C-D419FE80BFF5}"/>
+              </a:ext>
+            </a:extLst>
+          </p:cNvPr>
+          <p:cNvCxnSpPr>
+            <a:cxnSpLocks/>
+            <a:stCxn id="168" idx="2"/>
+            <a:endCxn id="14" idx="0"/>
+          </p:cNvCxnSpPr>
+          <p:nvPr/>
+        </p:nvCxnSpPr>
+        <p:spPr>
+          <a:xfrm>
+            <a:off x="5201160" y="4538664"/>
+            <a:ext cx="0" cy="451798"/>
+          </a:xfrm>
+          <a:prstGeom prst="line">
+            <a:avLst/>
+          </a:prstGeom>
+          <a:ln w="12700">
+            <a:headEnd type="none" w="med" len="med"/>
+            <a:tailEnd type="triangle" w="lg" len="lg"/>
+          </a:ln>
+        </p:spPr>
+        <p:style>
+          <a:lnRef idx="1">
+            <a:schemeClr val="accent1"/>
+          </a:lnRef>
+          <a:fillRef idx="0">
+            <a:schemeClr val="accent1"/>
+          </a:fillRef>
+          <a:effectRef idx="0">
+            <a:schemeClr val="accent1"/>
+          </a:effectRef>
+          <a:fontRef idx="minor">
+            <a:schemeClr val="tx1"/>
+          </a:fontRef>
+        </p:style>
+      </p:cxnSp>
+      <p:cxnSp>
+        <p:nvCxnSpPr>
+          <p:cNvPr id="192" name="Straight Connector 191">
+            <a:extLst>
+              <a:ext uri="{FF2B5EF4-FFF2-40B4-BE49-F238E27FC236}">
+                <a16:creationId xmlns:a16="http://schemas.microsoft.com/office/drawing/2014/main" id="{1493E0F0-2A74-4111-BE3F-6FC384AE974D}"/>
+              </a:ext>
+            </a:extLst>
+          </p:cNvPr>
+          <p:cNvCxnSpPr>
+            <a:cxnSpLocks/>
+            <a:stCxn id="20" idx="3"/>
+            <a:endCxn id="6" idx="1"/>
+          </p:cNvCxnSpPr>
+          <p:nvPr/>
+        </p:nvCxnSpPr>
+        <p:spPr>
+          <a:xfrm flipV="1">
+            <a:off x="2418521" y="3388183"/>
+            <a:ext cx="1676548" cy="15331"/>
+          </a:xfrm>
+          <a:prstGeom prst="line">
+            <a:avLst/>
+          </a:prstGeom>
+          <a:ln w="12700">
+            <a:headEnd type="none" w="med" len="med"/>
+            <a:tailEnd type="triangle" w="lg" len="lg"/>
+          </a:ln>
         </p:spPr>
         <p:style>
           <a:lnRef idx="1">

--- a/MyMap.pptx
+++ b/MyMap.pptx
@@ -3331,65 +3331,6 @@
       </p:grpSpPr>
       <p:sp>
         <p:nvSpPr>
-          <p:cNvPr id="4" name="Rectangle 3">
-            <a:extLst>
-              <a:ext uri="{FF2B5EF4-FFF2-40B4-BE49-F238E27FC236}">
-                <a16:creationId xmlns:a16="http://schemas.microsoft.com/office/drawing/2014/main" id="{CF472E9F-8FFD-4B56-B131-85030C0CDCC9}"/>
-              </a:ext>
-            </a:extLst>
-          </p:cNvPr>
-          <p:cNvSpPr/>
-          <p:nvPr/>
-        </p:nvSpPr>
-        <p:spPr>
-          <a:xfrm>
-            <a:off x="9632109" y="3196105"/>
-            <a:ext cx="2391805" cy="465789"/>
-          </a:xfrm>
-          <a:prstGeom prst="rect">
-            <a:avLst/>
-          </a:prstGeom>
-          <a:solidFill>
-            <a:schemeClr val="tx1">
-              <a:lumMod val="85000"/>
-              <a:lumOff val="15000"/>
-            </a:schemeClr>
-          </a:solidFill>
-        </p:spPr>
-        <p:style>
-          <a:lnRef idx="2">
-            <a:schemeClr val="accent1">
-              <a:shade val="50000"/>
-            </a:schemeClr>
-          </a:lnRef>
-          <a:fillRef idx="1">
-            <a:schemeClr val="accent1"/>
-          </a:fillRef>
-          <a:effectRef idx="0">
-            <a:schemeClr val="accent1"/>
-          </a:effectRef>
-          <a:fontRef idx="minor">
-            <a:schemeClr val="lt1"/>
-          </a:fontRef>
-        </p:style>
-        <p:txBody>
-          <a:bodyPr rtlCol="0" anchor="ctr"/>
-          <a:lstStyle/>
-          <a:p>
-            <a:pPr algn="ctr"/>
-            <a:r>
-              <a:rPr lang="en-US" dirty="0">
-                <a:solidFill>
-                  <a:srgbClr val="FF0000"/>
-                </a:solidFill>
-              </a:rPr>
-              <a:t>EmptyStackException</a:t>
-            </a:r>
-          </a:p>
-        </p:txBody>
-      </p:sp>
-      <p:sp>
-        <p:nvSpPr>
           <p:cNvPr id="6" name="Rectangle 5">
             <a:extLst>
               <a:ext uri="{FF2B5EF4-FFF2-40B4-BE49-F238E27FC236}">
@@ -4514,7 +4455,7 @@
         </p:nvSpPr>
         <p:spPr>
           <a:xfrm>
-            <a:off x="617855" y="4983466"/>
+            <a:off x="617855" y="4986877"/>
             <a:ext cx="1800665" cy="465789"/>
           </a:xfrm>
           <a:prstGeom prst="rect">
@@ -4573,8 +4514,8 @@
         </p:nvCxnSpPr>
         <p:spPr>
           <a:xfrm>
-            <a:off x="2418520" y="5216361"/>
-            <a:ext cx="1676549" cy="6996"/>
+            <a:off x="2418520" y="5219772"/>
+            <a:ext cx="1676549" cy="3585"/>
           </a:xfrm>
           <a:prstGeom prst="line">
             <a:avLst/>
@@ -4921,6 +4862,124 @@
           </a:fontRef>
         </p:style>
       </p:cxnSp>
+      <p:sp>
+        <p:nvSpPr>
+          <p:cNvPr id="224" name="Rectangle 223">
+            <a:extLst>
+              <a:ext uri="{FF2B5EF4-FFF2-40B4-BE49-F238E27FC236}">
+                <a16:creationId xmlns:a16="http://schemas.microsoft.com/office/drawing/2014/main" id="{09B243E7-D821-4D05-85C1-D6EA43575351}"/>
+              </a:ext>
+            </a:extLst>
+          </p:cNvPr>
+          <p:cNvSpPr/>
+          <p:nvPr/>
+        </p:nvSpPr>
+        <p:spPr>
+          <a:xfrm>
+            <a:off x="9464675" y="5908048"/>
+            <a:ext cx="2391805" cy="465789"/>
+          </a:xfrm>
+          <a:prstGeom prst="rect">
+            <a:avLst/>
+          </a:prstGeom>
+          <a:solidFill>
+            <a:schemeClr val="tx1">
+              <a:lumMod val="85000"/>
+              <a:lumOff val="15000"/>
+            </a:schemeClr>
+          </a:solidFill>
+        </p:spPr>
+        <p:style>
+          <a:lnRef idx="2">
+            <a:schemeClr val="accent1">
+              <a:shade val="50000"/>
+            </a:schemeClr>
+          </a:lnRef>
+          <a:fillRef idx="1">
+            <a:schemeClr val="accent1"/>
+          </a:fillRef>
+          <a:effectRef idx="0">
+            <a:schemeClr val="accent1"/>
+          </a:effectRef>
+          <a:fontRef idx="minor">
+            <a:schemeClr val="lt1"/>
+          </a:fontRef>
+        </p:style>
+        <p:txBody>
+          <a:bodyPr rtlCol="0" anchor="ctr"/>
+          <a:lstStyle/>
+          <a:p>
+            <a:pPr algn="ctr"/>
+            <a:r>
+              <a:rPr lang="en-US" dirty="0">
+                <a:solidFill>
+                  <a:srgbClr val="FF0000"/>
+                </a:solidFill>
+              </a:rPr>
+              <a:t>EmptyQueueException</a:t>
+            </a:r>
+          </a:p>
+        </p:txBody>
+      </p:sp>
+      <p:sp>
+        <p:nvSpPr>
+          <p:cNvPr id="225" name="Rectangle 224">
+            <a:extLst>
+              <a:ext uri="{FF2B5EF4-FFF2-40B4-BE49-F238E27FC236}">
+                <a16:creationId xmlns:a16="http://schemas.microsoft.com/office/drawing/2014/main" id="{8611C85D-C7F4-4644-88D1-0296F657FA1C}"/>
+              </a:ext>
+            </a:extLst>
+          </p:cNvPr>
+          <p:cNvSpPr/>
+          <p:nvPr/>
+        </p:nvSpPr>
+        <p:spPr>
+          <a:xfrm>
+            <a:off x="9464675" y="402526"/>
+            <a:ext cx="2391805" cy="465789"/>
+          </a:xfrm>
+          <a:prstGeom prst="rect">
+            <a:avLst/>
+          </a:prstGeom>
+          <a:solidFill>
+            <a:schemeClr val="tx1">
+              <a:lumMod val="85000"/>
+              <a:lumOff val="15000"/>
+            </a:schemeClr>
+          </a:solidFill>
+        </p:spPr>
+        <p:style>
+          <a:lnRef idx="2">
+            <a:schemeClr val="accent1">
+              <a:shade val="50000"/>
+            </a:schemeClr>
+          </a:lnRef>
+          <a:fillRef idx="1">
+            <a:schemeClr val="accent1"/>
+          </a:fillRef>
+          <a:effectRef idx="0">
+            <a:schemeClr val="accent1"/>
+          </a:effectRef>
+          <a:fontRef idx="minor">
+            <a:schemeClr val="lt1"/>
+          </a:fontRef>
+        </p:style>
+        <p:txBody>
+          <a:bodyPr rtlCol="0" anchor="ctr"/>
+          <a:lstStyle/>
+          <a:p>
+            <a:pPr algn="ctr"/>
+            <a:r>
+              <a:rPr lang="en-US" dirty="0">
+                <a:solidFill>
+                  <a:srgbClr val="FF0000"/>
+                </a:solidFill>
+              </a:rPr>
+              <a:t>EmptyStackException</a:t>
+            </a:r>
+          </a:p>
+        </p:txBody>
+      </p:sp>
     </p:spTree>
     <p:extLst>
       <p:ext uri="{BB962C8B-B14F-4D97-AF65-F5344CB8AC3E}">
